--- a/UM_DataManagementClass/Lessons/12/12_FirstMeeting.pptx
+++ b/UM_DataManagementClass/Lessons/12/12_FirstMeeting.pptx
@@ -5,7 +5,7 @@
     <p:sldMasterId id="2147483756" r:id="rId1"/>
   </p:sldMasterIdLst>
   <p:notesMasterIdLst>
-    <p:notesMasterId r:id="rId7"/>
+    <p:notesMasterId r:id="rId8"/>
   </p:notesMasterIdLst>
   <p:sldIdLst>
     <p:sldId id="256" r:id="rId2"/>
@@ -13,6 +13,7 @@
     <p:sldId id="264" r:id="rId4"/>
     <p:sldId id="263" r:id="rId5"/>
     <p:sldId id="265" r:id="rId6"/>
+    <p:sldId id="266" r:id="rId7"/>
   </p:sldIdLst>
   <p:sldSz cx="12192000" cy="6858000"/>
   <p:notesSz cx="7010400" cy="9296400"/>
@@ -213,7 +214,7 @@
             <a:fld id="{0B10C68B-4B56-4C57-A100-1112E8D05063}" type="datetimeFigureOut">
               <a:rPr lang="en-US" smtClean="0"/>
               <a:pPr/>
-              <a:t>4/4/2016</a:t>
+              <a:t>4/6/2016</a:t>
             </a:fld>
             <a:endParaRPr lang="en-US"/>
           </a:p>
@@ -710,7 +711,7 @@
               <a:pPr>
                 <a:defRPr/>
               </a:pPr>
-              <a:t>4/4/2016</a:t>
+              <a:t>4/6/2016</a:t>
             </a:fld>
             <a:endParaRPr lang="en-US">
               <a:solidFill>
@@ -925,7 +926,7 @@
               <a:pPr>
                 <a:defRPr/>
               </a:pPr>
-              <a:t>4/4/2016</a:t>
+              <a:t>4/6/2016</a:t>
             </a:fld>
             <a:endParaRPr lang="en-US">
               <a:solidFill>
@@ -1150,7 +1151,7 @@
               <a:pPr>
                 <a:defRPr/>
               </a:pPr>
-              <a:t>4/4/2016</a:t>
+              <a:t>4/6/2016</a:t>
             </a:fld>
             <a:endParaRPr lang="en-US">
               <a:solidFill>
@@ -1391,7 +1392,7 @@
               <a:pPr>
                 <a:defRPr/>
               </a:pPr>
-              <a:t>4/4/2016</a:t>
+              <a:t>4/6/2016</a:t>
             </a:fld>
             <a:endParaRPr lang="en-US">
               <a:solidFill>
@@ -1680,7 +1681,7 @@
               <a:pPr>
                 <a:defRPr/>
               </a:pPr>
-              <a:t>4/4/2016</a:t>
+              <a:t>4/6/2016</a:t>
             </a:fld>
             <a:endParaRPr lang="en-US">
               <a:solidFill>
@@ -2001,7 +2002,7 @@
               <a:pPr>
                 <a:defRPr/>
               </a:pPr>
-              <a:t>4/4/2016</a:t>
+              <a:t>4/6/2016</a:t>
             </a:fld>
             <a:endParaRPr lang="en-US">
               <a:solidFill>
@@ -2461,7 +2462,7 @@
               <a:pPr>
                 <a:defRPr/>
               </a:pPr>
-              <a:t>4/4/2016</a:t>
+              <a:t>4/6/2016</a:t>
             </a:fld>
             <a:endParaRPr lang="en-US">
               <a:solidFill>
@@ -2632,7 +2633,7 @@
               <a:pPr>
                 <a:defRPr/>
               </a:pPr>
-              <a:t>4/4/2016</a:t>
+              <a:t>4/6/2016</a:t>
             </a:fld>
             <a:endParaRPr lang="en-US">
               <a:solidFill>
@@ -2772,7 +2773,7 @@
               <a:pPr>
                 <a:defRPr/>
               </a:pPr>
-              <a:t>4/4/2016</a:t>
+              <a:t>4/6/2016</a:t>
             </a:fld>
             <a:endParaRPr lang="en-US">
               <a:solidFill>
@@ -3094,7 +3095,7 @@
               <a:pPr>
                 <a:defRPr/>
               </a:pPr>
-              <a:t>4/4/2016</a:t>
+              <a:t>4/6/2016</a:t>
             </a:fld>
             <a:endParaRPr lang="en-US">
               <a:solidFill>
@@ -3396,7 +3397,7 @@
               <a:pPr>
                 <a:defRPr/>
               </a:pPr>
-              <a:t>4/4/2016</a:t>
+              <a:t>4/6/2016</a:t>
             </a:fld>
             <a:endParaRPr lang="en-US">
               <a:solidFill>
@@ -3654,7 +3655,7 @@
               <a:pPr>
                 <a:defRPr/>
               </a:pPr>
-              <a:t>4/4/2016</a:t>
+              <a:t>4/6/2016</a:t>
             </a:fld>
             <a:endParaRPr lang="en-US">
               <a:solidFill>
@@ -4367,14 +4368,12 @@
               <a:rPr lang="en-US" dirty="0" smtClean="0"/>
               <a:t>Data Cleaning</a:t>
             </a:r>
-            <a:endParaRPr lang="en-US" dirty="0" smtClean="0"/>
           </a:p>
           <a:p>
             <a:r>
               <a:rPr lang="en-US" dirty="0" smtClean="0"/>
               <a:t>Data Extraction</a:t>
             </a:r>
-            <a:endParaRPr lang="en-US" dirty="0" smtClean="0"/>
           </a:p>
           <a:p>
             <a:endParaRPr lang="en-US" dirty="0" smtClean="0"/>
@@ -4595,7 +4594,6 @@
               <a:rPr lang="en-US" dirty="0" smtClean="0"/>
               <a:t> </a:t>
             </a:r>
-            <a:endParaRPr lang="en-US" dirty="0" smtClean="0"/>
           </a:p>
           <a:p>
             <a:pPr lvl="1"/>
@@ -4615,7 +4613,6 @@
               <a:rPr lang="en-US" dirty="0" smtClean="0"/>
               <a:t> </a:t>
             </a:r>
-            <a:endParaRPr lang="en-US" dirty="0" smtClean="0"/>
           </a:p>
           <a:p>
             <a:pPr lvl="1"/>
@@ -4651,11 +4648,7 @@
             <a:pPr lvl="1"/>
             <a:r>
               <a:rPr lang="en-US" dirty="0"/>
-              <a:t>tools </a:t>
-            </a:r>
-            <a:r>
-              <a:rPr lang="en-US" dirty="0"/>
-              <a:t>for cleaning data from all sorts of sources</a:t>
+              <a:t>tools for cleaning data from all sorts of sources</a:t>
             </a:r>
           </a:p>
         </p:txBody>
@@ -5416,8 +5409,25 @@
               <a:rPr lang="en-US" dirty="0">
                 <a:hlinkClick r:id="rId2"/>
               </a:rPr>
-              <a:t>http://tabula.technology/</a:t>
-            </a:r>
+              <a:t>http://tabula.technology</a:t>
+            </a:r>
+            <a:r>
+              <a:rPr lang="en-US" dirty="0" smtClean="0">
+                <a:hlinkClick r:id="rId2"/>
+              </a:rPr>
+              <a:t>/</a:t>
+            </a:r>
+            <a:endParaRPr lang="en-US" dirty="0" smtClean="0"/>
+          </a:p>
+          <a:p>
+            <a:pPr lvl="1"/>
+            <a:r>
+              <a:rPr lang="en-US" dirty="0" smtClean="0"/>
+              <a:t>Open source</a:t>
+            </a:r>
+          </a:p>
+          <a:p>
+            <a:pPr lvl="1"/>
             <a:endParaRPr lang="en-US" dirty="0"/>
           </a:p>
           <a:p>
@@ -5437,6 +5447,14 @@
             <a:r>
               <a:rPr lang="en-US" dirty="0"/>
               <a:t> </a:t>
+            </a:r>
+            <a:endParaRPr lang="en-US" dirty="0" smtClean="0"/>
+          </a:p>
+          <a:p>
+            <a:pPr lvl="1"/>
+            <a:r>
+              <a:rPr lang="en-US" dirty="0" smtClean="0"/>
+              <a:t>Fee based with “free” account option</a:t>
             </a:r>
             <a:endParaRPr lang="en" dirty="0"/>
           </a:p>
@@ -5520,7 +5538,6 @@
               <a:rPr lang="en-US" dirty="0"/>
               <a:t>Licensing/purchasing Data</a:t>
             </a:r>
-            <a:endParaRPr lang="en-US" dirty="0"/>
           </a:p>
         </p:txBody>
       </p:sp>
@@ -5700,25 +5717,83 @@
               <a:rPr lang="en-US" sz="2000" dirty="0">
                 <a:hlinkClick r:id="rId2"/>
               </a:rPr>
-              <a:t>http://</a:t>
-            </a:r>
-            <a:r>
-              <a:rPr lang="en-US" sz="2000" dirty="0">
-                <a:hlinkClick r:id="rId2"/>
-              </a:rPr>
-              <a:t>ukdataservice.ac.uk/media/455386/cd248-data-purchase-guidelines.pdf</a:t>
+              <a:t>http://ukdataservice.ac.uk/media/455386/cd248-data-purchase-guidelines.pdf</a:t>
             </a:r>
             <a:r>
               <a:rPr lang="en-US" sz="2000" dirty="0"/>
               <a:t> </a:t>
             </a:r>
+            <a:endParaRPr lang="en-US" sz="2000" dirty="0" smtClean="0"/>
+          </a:p>
+          <a:p>
+            <a:pPr lvl="1"/>
+            <a:endParaRPr lang="en-US" sz="2000" dirty="0"/>
           </a:p>
           <a:p>
             <a:r>
               <a:rPr lang="en-US" sz="2400" dirty="0"/>
-              <a:t>Come talk to a librarian</a:t>
-            </a:r>
-            <a:endParaRPr lang="en" sz="2400" dirty="0"/>
+              <a:t>Come talk to a </a:t>
+            </a:r>
+            <a:r>
+              <a:rPr lang="en-US" sz="2400" dirty="0" smtClean="0"/>
+              <a:t>librarian</a:t>
+            </a:r>
+          </a:p>
+          <a:p>
+            <a:pPr lvl="1"/>
+            <a:r>
+              <a:rPr lang="en-US" sz="2000" dirty="0" smtClean="0"/>
+              <a:t>Abraham Parrish (GIS </a:t>
+            </a:r>
+            <a:r>
+              <a:rPr lang="en-US" sz="2000" dirty="0"/>
+              <a:t>Librarian) </a:t>
+            </a:r>
+            <a:r>
+              <a:rPr lang="en-US" sz="2000" dirty="0" smtClean="0">
+                <a:hlinkClick r:id="rId3"/>
+              </a:rPr>
+              <a:t>aparrish@miami.edu</a:t>
+            </a:r>
+            <a:r>
+              <a:rPr lang="en-US" sz="2000" dirty="0" smtClean="0"/>
+              <a:t> </a:t>
+            </a:r>
+          </a:p>
+          <a:p>
+            <a:pPr lvl="1"/>
+            <a:r>
+              <a:rPr lang="en-US" sz="2000" dirty="0" smtClean="0"/>
+              <a:t>Tim Norris (Data Curation) </a:t>
+            </a:r>
+            <a:r>
+              <a:rPr lang="en-US" sz="2000" dirty="0" smtClean="0">
+                <a:hlinkClick r:id="rId4"/>
+              </a:rPr>
+              <a:t>tnorris@miami.edu</a:t>
+            </a:r>
+            <a:r>
+              <a:rPr lang="en-US" sz="2000" dirty="0" smtClean="0"/>
+              <a:t> </a:t>
+            </a:r>
+          </a:p>
+          <a:p>
+            <a:pPr lvl="1"/>
+            <a:r>
+              <a:rPr lang="en" sz="2000" dirty="0" smtClean="0"/>
+              <a:t>Paige Morgan (Digital Humanities) </a:t>
+            </a:r>
+            <a:r>
+              <a:rPr lang="en-US" sz="2000" dirty="0" smtClean="0">
+                <a:hlinkClick r:id="rId5"/>
+              </a:rPr>
+              <a:t>p.morgan@miami.edu</a:t>
+            </a:r>
+            <a:r>
+              <a:rPr lang="en-US" sz="2000" dirty="0" smtClean="0"/>
+              <a:t> </a:t>
+            </a:r>
+            <a:endParaRPr lang="en" sz="2000" dirty="0"/>
           </a:p>
         </p:txBody>
       </p:sp>
@@ -5739,6 +5814,155 @@
       </p:par>
     </p:tnLst>
   </p:timing>
+</p:sld>
+</file>
+
+<file path=ppt/slides/slide6.xml><?xml version="1.0" encoding="utf-8"?>
+<p:sld xmlns:a="http://schemas.openxmlformats.org/drawingml/2006/main" xmlns:r="http://schemas.openxmlformats.org/officeDocument/2006/relationships" xmlns:p="http://schemas.openxmlformats.org/presentationml/2006/main">
+  <p:cSld>
+    <p:spTree>
+      <p:nvGrpSpPr>
+        <p:cNvPr id="1" name=""/>
+        <p:cNvGrpSpPr/>
+        <p:nvPr/>
+      </p:nvGrpSpPr>
+      <p:grpSpPr>
+        <a:xfrm>
+          <a:off x="0" y="0"/>
+          <a:ext cx="0" cy="0"/>
+          <a:chOff x="0" y="0"/>
+          <a:chExt cx="0" cy="0"/>
+        </a:xfrm>
+      </p:grpSpPr>
+      <p:sp>
+        <p:nvSpPr>
+          <p:cNvPr id="2" name="Title 1"/>
+          <p:cNvSpPr>
+            <a:spLocks noGrp="1"/>
+          </p:cNvSpPr>
+          <p:nvPr>
+            <p:ph type="title"/>
+          </p:nvPr>
+        </p:nvSpPr>
+        <p:spPr/>
+        <p:txBody>
+          <a:bodyPr/>
+          <a:lstStyle/>
+          <a:p>
+            <a:r>
+              <a:rPr lang="en-US" dirty="0" smtClean="0"/>
+              <a:t>A few Updates</a:t>
+            </a:r>
+            <a:endParaRPr lang="en-US" dirty="0"/>
+          </a:p>
+        </p:txBody>
+      </p:sp>
+      <p:sp>
+        <p:nvSpPr>
+          <p:cNvPr id="3" name="Content Placeholder 2"/>
+          <p:cNvSpPr>
+            <a:spLocks noGrp="1"/>
+          </p:cNvSpPr>
+          <p:nvPr>
+            <p:ph idx="1"/>
+          </p:nvPr>
+        </p:nvSpPr>
+        <p:spPr/>
+        <p:txBody>
+          <a:bodyPr/>
+          <a:lstStyle/>
+          <a:p>
+            <a:pPr marL="0" indent="0">
+              <a:buNone/>
+            </a:pPr>
+            <a:r>
+              <a:rPr lang="en-US" dirty="0" smtClean="0"/>
+              <a:t>Center for Open Science</a:t>
+            </a:r>
+          </a:p>
+          <a:p>
+            <a:pPr lvl="1"/>
+            <a:r>
+              <a:rPr lang="en-US" dirty="0" smtClean="0">
+                <a:hlinkClick r:id="rId2"/>
+              </a:rPr>
+              <a:t>https</a:t>
+            </a:r>
+            <a:r>
+              <a:rPr lang="en-US" dirty="0">
+                <a:hlinkClick r:id="rId2"/>
+              </a:rPr>
+              <a:t>://cos.io</a:t>
+            </a:r>
+            <a:r>
+              <a:rPr lang="en-US" dirty="0" smtClean="0">
+                <a:hlinkClick r:id="rId2"/>
+              </a:rPr>
+              <a:t>/</a:t>
+            </a:r>
+            <a:r>
+              <a:rPr lang="en-US" dirty="0" smtClean="0"/>
+              <a:t> </a:t>
+            </a:r>
+          </a:p>
+          <a:p>
+            <a:pPr lvl="1"/>
+            <a:endParaRPr lang="en-US" dirty="0" smtClean="0"/>
+          </a:p>
+          <a:p>
+            <a:pPr marL="0" indent="0">
+              <a:buNone/>
+            </a:pPr>
+            <a:r>
+              <a:rPr lang="en-US" dirty="0" err="1" smtClean="0"/>
+              <a:t>ownCloud</a:t>
+            </a:r>
+            <a:endParaRPr lang="en-US" dirty="0" smtClean="0"/>
+          </a:p>
+          <a:p>
+            <a:pPr lvl="1"/>
+            <a:r>
+              <a:rPr lang="en-US" dirty="0">
+                <a:hlinkClick r:id="rId3"/>
+              </a:rPr>
+              <a:t>https://owncloud.org</a:t>
+            </a:r>
+            <a:r>
+              <a:rPr lang="en-US" dirty="0" smtClean="0">
+                <a:hlinkClick r:id="rId3"/>
+              </a:rPr>
+              <a:t>/</a:t>
+            </a:r>
+            <a:endParaRPr lang="en-US" dirty="0" smtClean="0"/>
+          </a:p>
+          <a:p>
+            <a:pPr lvl="1"/>
+            <a:r>
+              <a:rPr lang="en-US" dirty="0" smtClean="0"/>
+              <a:t>Open source “cloud” software for </a:t>
+            </a:r>
+            <a:r>
+              <a:rPr lang="en-US" b="1" i="1" dirty="0" smtClean="0"/>
+              <a:t>your</a:t>
+            </a:r>
+            <a:r>
+              <a:rPr lang="en-US" dirty="0" smtClean="0"/>
+              <a:t> server</a:t>
+            </a:r>
+            <a:endParaRPr lang="en-US" dirty="0"/>
+          </a:p>
+        </p:txBody>
+      </p:sp>
+    </p:spTree>
+    <p:extLst>
+      <p:ext uri="{BB962C8B-B14F-4D97-AF65-F5344CB8AC3E}">
+        <p14:creationId xmlns:p14="http://schemas.microsoft.com/office/powerpoint/2010/main" val="16958632"/>
+      </p:ext>
+    </p:extLst>
+  </p:cSld>
+  <p:clrMapOvr>
+    <a:masterClrMapping/>
+  </p:clrMapOvr>
 </p:sld>
 </file>
 
